--- a/assets/images/banners/BannerCreator.pptx
+++ b/assets/images/banners/BannerCreator.pptx
@@ -13,6 +13,7 @@
     <p:sldId id="262" r:id="rId7"/>
     <p:sldId id="263" r:id="rId8"/>
     <p:sldId id="264" r:id="rId9"/>
+    <p:sldId id="265" r:id="rId10"/>
   </p:sldIdLst>
   <p:sldSz cx="12192000" cy="6858000"/>
   <p:notesSz cx="6858000" cy="9144000"/>
@@ -327,7 +328,7 @@
           <a:p>
             <a:fld id="{BD8AEB8B-F03B-4148-B37B-28C602FB6DA0}" type="datetimeFigureOut">
               <a:rPr lang="en-US" smtClean="0"/>
-              <a:t>2/17/22</a:t>
+              <a:t>12/6/2022</a:t>
             </a:fld>
             <a:endParaRPr lang="en-US"/>
           </a:p>
@@ -525,7 +526,7 @@
           <a:p>
             <a:fld id="{BD8AEB8B-F03B-4148-B37B-28C602FB6DA0}" type="datetimeFigureOut">
               <a:rPr lang="en-US" smtClean="0"/>
-              <a:t>2/17/22</a:t>
+              <a:t>12/6/2022</a:t>
             </a:fld>
             <a:endParaRPr lang="en-US"/>
           </a:p>
@@ -733,7 +734,7 @@
           <a:p>
             <a:fld id="{BD8AEB8B-F03B-4148-B37B-28C602FB6DA0}" type="datetimeFigureOut">
               <a:rPr lang="en-US" smtClean="0"/>
-              <a:t>2/17/22</a:t>
+              <a:t>12/6/2022</a:t>
             </a:fld>
             <a:endParaRPr lang="en-US"/>
           </a:p>
@@ -931,7 +932,7 @@
           <a:p>
             <a:fld id="{BD8AEB8B-F03B-4148-B37B-28C602FB6DA0}" type="datetimeFigureOut">
               <a:rPr lang="en-US" smtClean="0"/>
-              <a:t>2/17/22</a:t>
+              <a:t>12/6/2022</a:t>
             </a:fld>
             <a:endParaRPr lang="en-US"/>
           </a:p>
@@ -1206,7 +1207,7 @@
           <a:p>
             <a:fld id="{BD8AEB8B-F03B-4148-B37B-28C602FB6DA0}" type="datetimeFigureOut">
               <a:rPr lang="en-US" smtClean="0"/>
-              <a:t>2/17/22</a:t>
+              <a:t>12/6/2022</a:t>
             </a:fld>
             <a:endParaRPr lang="en-US"/>
           </a:p>
@@ -1471,7 +1472,7 @@
           <a:p>
             <a:fld id="{BD8AEB8B-F03B-4148-B37B-28C602FB6DA0}" type="datetimeFigureOut">
               <a:rPr lang="en-US" smtClean="0"/>
-              <a:t>2/17/22</a:t>
+              <a:t>12/6/2022</a:t>
             </a:fld>
             <a:endParaRPr lang="en-US"/>
           </a:p>
@@ -1883,7 +1884,7 @@
           <a:p>
             <a:fld id="{BD8AEB8B-F03B-4148-B37B-28C602FB6DA0}" type="datetimeFigureOut">
               <a:rPr lang="en-US" smtClean="0"/>
-              <a:t>2/17/22</a:t>
+              <a:t>12/6/2022</a:t>
             </a:fld>
             <a:endParaRPr lang="en-US"/>
           </a:p>
@@ -2024,7 +2025,7 @@
           <a:p>
             <a:fld id="{BD8AEB8B-F03B-4148-B37B-28C602FB6DA0}" type="datetimeFigureOut">
               <a:rPr lang="en-US" smtClean="0"/>
-              <a:t>2/17/22</a:t>
+              <a:t>12/6/2022</a:t>
             </a:fld>
             <a:endParaRPr lang="en-US"/>
           </a:p>
@@ -2137,7 +2138,7 @@
           <a:p>
             <a:fld id="{BD8AEB8B-F03B-4148-B37B-28C602FB6DA0}" type="datetimeFigureOut">
               <a:rPr lang="en-US" smtClean="0"/>
-              <a:t>2/17/22</a:t>
+              <a:t>12/6/2022</a:t>
             </a:fld>
             <a:endParaRPr lang="en-US"/>
           </a:p>
@@ -2448,7 +2449,7 @@
           <a:p>
             <a:fld id="{BD8AEB8B-F03B-4148-B37B-28C602FB6DA0}" type="datetimeFigureOut">
               <a:rPr lang="en-US" smtClean="0"/>
-              <a:t>2/17/22</a:t>
+              <a:t>12/6/2022</a:t>
             </a:fld>
             <a:endParaRPr lang="en-US"/>
           </a:p>
@@ -2736,7 +2737,7 @@
           <a:p>
             <a:fld id="{BD8AEB8B-F03B-4148-B37B-28C602FB6DA0}" type="datetimeFigureOut">
               <a:rPr lang="en-US" smtClean="0"/>
-              <a:t>2/17/22</a:t>
+              <a:t>12/6/2022</a:t>
             </a:fld>
             <a:endParaRPr lang="en-US"/>
           </a:p>
@@ -2977,7 +2978,7 @@
           <a:p>
             <a:fld id="{BD8AEB8B-F03B-4148-B37B-28C602FB6DA0}" type="datetimeFigureOut">
               <a:rPr lang="en-US" smtClean="0"/>
-              <a:t>2/17/22</a:t>
+              <a:t>12/6/2022</a:t>
             </a:fld>
             <a:endParaRPr lang="en-US"/>
           </a:p>
@@ -6332,6 +6333,125 @@
 </p:sld>
 </file>
 
+<file path=ppt/slides/slide9.xml><?xml version="1.0" encoding="utf-8"?>
+<p:sld xmlns:a="http://schemas.openxmlformats.org/drawingml/2006/main" xmlns:r="http://schemas.openxmlformats.org/officeDocument/2006/relationships" xmlns:p="http://schemas.openxmlformats.org/presentationml/2006/main">
+  <p:cSld>
+    <p:spTree>
+      <p:nvGrpSpPr>
+        <p:cNvPr id="1" name=""/>
+        <p:cNvGrpSpPr/>
+        <p:nvPr/>
+      </p:nvGrpSpPr>
+      <p:grpSpPr>
+        <a:xfrm>
+          <a:off x="0" y="0"/>
+          <a:ext cx="0" cy="0"/>
+          <a:chOff x="0" y="0"/>
+          <a:chExt cx="0" cy="0"/>
+        </a:xfrm>
+      </p:grpSpPr>
+      <p:pic>
+        <p:nvPicPr>
+          <p:cNvPr id="3" name="Picture 2" descr="Graphical user interface, text, application&#10;&#10;Description automatically generated">
+            <a:extLst>
+              <a:ext uri="{FF2B5EF4-FFF2-40B4-BE49-F238E27FC236}">
+                <a16:creationId xmlns:a16="http://schemas.microsoft.com/office/drawing/2014/main" id="{A1AD231A-633B-90C8-3ACF-7934D302927C}"/>
+              </a:ext>
+            </a:extLst>
+          </p:cNvPr>
+          <p:cNvPicPr>
+            <a:picLocks noChangeAspect="1"/>
+          </p:cNvPicPr>
+          <p:nvPr/>
+        </p:nvPicPr>
+        <p:blipFill>
+          <a:blip r:embed="rId2">
+            <a:extLst>
+              <a:ext uri="{28A0092B-C50C-407E-A947-70E740481C1C}">
+                <a14:useLocalDpi xmlns:a14="http://schemas.microsoft.com/office/drawing/2010/main" val="0"/>
+              </a:ext>
+            </a:extLst>
+          </a:blip>
+          <a:stretch>
+            <a:fillRect/>
+          </a:stretch>
+        </p:blipFill>
+        <p:spPr>
+          <a:xfrm>
+            <a:off x="-11899" y="396240"/>
+            <a:ext cx="12203899" cy="6461760"/>
+          </a:xfrm>
+          <a:prstGeom prst="rect">
+            <a:avLst/>
+          </a:prstGeom>
+        </p:spPr>
+      </p:pic>
+      <p:sp>
+        <p:nvSpPr>
+          <p:cNvPr id="6" name="Rectangle 5">
+            <a:extLst>
+              <a:ext uri="{FF2B5EF4-FFF2-40B4-BE49-F238E27FC236}">
+                <a16:creationId xmlns:a16="http://schemas.microsoft.com/office/drawing/2014/main" id="{0439AF00-8634-4701-946F-B6029D9D9A9D}"/>
+              </a:ext>
+            </a:extLst>
+          </p:cNvPr>
+          <p:cNvSpPr/>
+          <p:nvPr/>
+        </p:nvSpPr>
+        <p:spPr>
+          <a:xfrm>
+            <a:off x="-17418" y="-17418"/>
+            <a:ext cx="12304295" cy="7005934"/>
+          </a:xfrm>
+          <a:prstGeom prst="rect">
+            <a:avLst/>
+          </a:prstGeom>
+          <a:solidFill>
+            <a:schemeClr val="tx1">
+              <a:lumMod val="85000"/>
+              <a:lumOff val="15000"/>
+              <a:alpha val="60000"/>
+            </a:schemeClr>
+          </a:solidFill>
+        </p:spPr>
+        <p:style>
+          <a:lnRef idx="2">
+            <a:schemeClr val="dk1">
+              <a:shade val="50000"/>
+            </a:schemeClr>
+          </a:lnRef>
+          <a:fillRef idx="1">
+            <a:schemeClr val="dk1"/>
+          </a:fillRef>
+          <a:effectRef idx="0">
+            <a:schemeClr val="dk1"/>
+          </a:effectRef>
+          <a:fontRef idx="minor">
+            <a:schemeClr val="lt1"/>
+          </a:fontRef>
+        </p:style>
+        <p:txBody>
+          <a:bodyPr rtlCol="0" anchor="ctr"/>
+          <a:lstStyle/>
+          <a:p>
+            <a:pPr algn="ctr"/>
+            <a:endParaRPr lang="en-US" dirty="0"/>
+          </a:p>
+        </p:txBody>
+      </p:sp>
+    </p:spTree>
+    <p:extLst>
+      <p:ext uri="{BB962C8B-B14F-4D97-AF65-F5344CB8AC3E}">
+        <p14:creationId xmlns:p14="http://schemas.microsoft.com/office/powerpoint/2010/main" val="1843658045"/>
+      </p:ext>
+    </p:extLst>
+  </p:cSld>
+  <p:clrMapOvr>
+    <a:masterClrMapping/>
+  </p:clrMapOvr>
+</p:sld>
+</file>
+
 <file path=ppt/theme/theme1.xml><?xml version="1.0" encoding="utf-8"?>
 <a:theme xmlns:a="http://schemas.openxmlformats.org/drawingml/2006/main" name="Office Theme">
   <a:themeElements>
